--- a/Doc/Prezentace-uvod.pptx
+++ b/Doc/Prezentace-uvod.pptx
@@ -259,7 +259,7 @@
           <a:p>
             <a:fld id="{8725CDB3-0518-4E68-B4FF-B948AD6ADE2B}" type="datetimeFigureOut">
               <a:rPr lang="cs-CZ" smtClean="0"/>
-              <a:t>02.12.2015</a:t>
+              <a:t>05.12.2015</a:t>
             </a:fld>
             <a:endParaRPr lang="cs-CZ"/>
           </a:p>
@@ -429,7 +429,7 @@
           <a:p>
             <a:fld id="{8725CDB3-0518-4E68-B4FF-B948AD6ADE2B}" type="datetimeFigureOut">
               <a:rPr lang="cs-CZ" smtClean="0"/>
-              <a:t>02.12.2015</a:t>
+              <a:t>05.12.2015</a:t>
             </a:fld>
             <a:endParaRPr lang="cs-CZ"/>
           </a:p>
@@ -609,7 +609,7 @@
           <a:p>
             <a:fld id="{8725CDB3-0518-4E68-B4FF-B948AD6ADE2B}" type="datetimeFigureOut">
               <a:rPr lang="cs-CZ" smtClean="0"/>
-              <a:t>02.12.2015</a:t>
+              <a:t>05.12.2015</a:t>
             </a:fld>
             <a:endParaRPr lang="cs-CZ"/>
           </a:p>
@@ -779,7 +779,7 @@
           <a:p>
             <a:fld id="{8725CDB3-0518-4E68-B4FF-B948AD6ADE2B}" type="datetimeFigureOut">
               <a:rPr lang="cs-CZ" smtClean="0"/>
-              <a:t>02.12.2015</a:t>
+              <a:t>05.12.2015</a:t>
             </a:fld>
             <a:endParaRPr lang="cs-CZ"/>
           </a:p>
@@ -1030,7 +1030,7 @@
           <a:p>
             <a:fld id="{8725CDB3-0518-4E68-B4FF-B948AD6ADE2B}" type="datetimeFigureOut">
               <a:rPr lang="cs-CZ" smtClean="0"/>
-              <a:t>02.12.2015</a:t>
+              <a:t>05.12.2015</a:t>
             </a:fld>
             <a:endParaRPr lang="cs-CZ"/>
           </a:p>
@@ -1262,7 +1262,7 @@
           <a:p>
             <a:fld id="{8725CDB3-0518-4E68-B4FF-B948AD6ADE2B}" type="datetimeFigureOut">
               <a:rPr lang="cs-CZ" smtClean="0"/>
-              <a:t>02.12.2015</a:t>
+              <a:t>05.12.2015</a:t>
             </a:fld>
             <a:endParaRPr lang="cs-CZ"/>
           </a:p>
@@ -1609,7 +1609,7 @@
           <a:p>
             <a:fld id="{8725CDB3-0518-4E68-B4FF-B948AD6ADE2B}" type="datetimeFigureOut">
               <a:rPr lang="cs-CZ" smtClean="0"/>
-              <a:t>02.12.2015</a:t>
+              <a:t>05.12.2015</a:t>
             </a:fld>
             <a:endParaRPr lang="cs-CZ"/>
           </a:p>
@@ -1727,7 +1727,7 @@
           <a:p>
             <a:fld id="{8725CDB3-0518-4E68-B4FF-B948AD6ADE2B}" type="datetimeFigureOut">
               <a:rPr lang="cs-CZ" smtClean="0"/>
-              <a:t>02.12.2015</a:t>
+              <a:t>05.12.2015</a:t>
             </a:fld>
             <a:endParaRPr lang="cs-CZ"/>
           </a:p>
@@ -1845,7 +1845,7 @@
           <a:p>
             <a:fld id="{8725CDB3-0518-4E68-B4FF-B948AD6ADE2B}" type="datetimeFigureOut">
               <a:rPr lang="cs-CZ" smtClean="0"/>
-              <a:t>02.12.2015</a:t>
+              <a:t>05.12.2015</a:t>
             </a:fld>
             <a:endParaRPr lang="cs-CZ"/>
           </a:p>
@@ -2129,7 +2129,7 @@
           <a:p>
             <a:fld id="{8725CDB3-0518-4E68-B4FF-B948AD6ADE2B}" type="datetimeFigureOut">
               <a:rPr lang="cs-CZ" smtClean="0"/>
-              <a:t>02.12.2015</a:t>
+              <a:t>05.12.2015</a:t>
             </a:fld>
             <a:endParaRPr lang="cs-CZ"/>
           </a:p>
@@ -2393,7 +2393,7 @@
           <a:p>
             <a:fld id="{8725CDB3-0518-4E68-B4FF-B948AD6ADE2B}" type="datetimeFigureOut">
               <a:rPr lang="cs-CZ" smtClean="0"/>
-              <a:t>02.12.2015</a:t>
+              <a:t>05.12.2015</a:t>
             </a:fld>
             <a:endParaRPr lang="cs-CZ"/>
           </a:p>
@@ -2607,7 +2607,7 @@
           <a:p>
             <a:fld id="{8725CDB3-0518-4E68-B4FF-B948AD6ADE2B}" type="datetimeFigureOut">
               <a:rPr lang="cs-CZ" smtClean="0"/>
-              <a:t>02.12.2015</a:t>
+              <a:t>05.12.2015</a:t>
             </a:fld>
             <a:endParaRPr lang="cs-CZ"/>
           </a:p>
@@ -3039,7 +3039,7 @@
                 <a:latin typeface="Segoe UI" panose="020B0502040204020203" pitchFamily="34" charset="0"/>
                 <a:cs typeface="Segoe UI" panose="020B0502040204020203" pitchFamily="34" charset="0"/>
               </a:rPr>
-              <a:t>Entity Framework: Code First</a:t>
+              <a:t>Úvod do Entity Framework</a:t>
             </a:r>
             <a:endParaRPr lang="cs-CZ" sz="2400" dirty="0" smtClean="0">
               <a:solidFill>
@@ -3213,16 +3213,6 @@
               </a:rPr>
               <a:t>12/2015 PRAHA</a:t>
             </a:r>
-            <a:endParaRPr lang="cs-CZ" sz="1400" dirty="0" smtClean="0">
-              <a:solidFill>
-                <a:schemeClr val="tx1">
-                  <a:lumMod val="75000"/>
-                  <a:lumOff val="25000"/>
-                </a:schemeClr>
-              </a:solidFill>
-              <a:latin typeface="Segoe UI" panose="020B0502040204020203" pitchFamily="34" charset="0"/>
-              <a:cs typeface="Segoe UI" panose="020B0502040204020203" pitchFamily="34" charset="0"/>
-            </a:endParaRPr>
           </a:p>
         </p:txBody>
       </p:sp>
@@ -3284,11 +3274,11 @@
   <p:clrMapOvr>
     <a:masterClrMapping/>
   </p:clrMapOvr>
-  <mc:AlternateContent xmlns:mc="http://schemas.openxmlformats.org/markup-compatibility/2006">
-    <mc:Choice xmlns:p14="http://schemas.microsoft.com/office/powerpoint/2010/main" Requires="p14">
+  <mc:AlternateContent xmlns:mc="http://schemas.openxmlformats.org/markup-compatibility/2006" xmlns:p14="http://schemas.microsoft.com/office/powerpoint/2010/main">
+    <mc:Choice Requires="p14">
       <p:transition p14:dur="0"/>
     </mc:Choice>
-    <mc:Fallback>
+    <mc:Fallback xmlns="">
       <p:transition/>
     </mc:Fallback>
   </mc:AlternateContent>
@@ -4556,20 +4546,7 @@
                 <a:latin typeface="Segoe UI" panose="020B0502040204020203" pitchFamily="34" charset="0"/>
                 <a:cs typeface="Segoe UI" panose="020B0502040204020203" pitchFamily="34" charset="0"/>
               </a:rPr>
-              <a:t>na základě aplikačního kódu, včetně indexů a </a:t>
-            </a:r>
-            <a:r>
-              <a:rPr lang="cs-CZ" sz="2400" dirty="0" smtClean="0">
-                <a:solidFill>
-                  <a:schemeClr val="tx1">
-                    <a:lumMod val="75000"/>
-                    <a:lumOff val="25000"/>
-                  </a:schemeClr>
-                </a:solidFill>
-                <a:latin typeface="Segoe UI" panose="020B0502040204020203" pitchFamily="34" charset="0"/>
-                <a:cs typeface="Segoe UI" panose="020B0502040204020203" pitchFamily="34" charset="0"/>
-              </a:rPr>
-              <a:t>omezení</a:t>
+              <a:t>na základě aplikačního kódu, včetně indexů a omezení</a:t>
             </a:r>
           </a:p>
           <a:p>
@@ -4606,20 +4583,7 @@
                 <a:latin typeface="Segoe UI" panose="020B0502040204020203" pitchFamily="34" charset="0"/>
                 <a:cs typeface="Segoe UI" panose="020B0502040204020203" pitchFamily="34" charset="0"/>
               </a:rPr>
-              <a:t>Abstrakce </a:t>
-            </a:r>
-            <a:r>
-              <a:rPr lang="cs-CZ" sz="2400" dirty="0" smtClean="0">
-                <a:solidFill>
-                  <a:schemeClr val="tx1">
-                    <a:lumMod val="75000"/>
-                    <a:lumOff val="25000"/>
-                  </a:schemeClr>
-                </a:solidFill>
-                <a:latin typeface="Segoe UI" panose="020B0502040204020203" pitchFamily="34" charset="0"/>
-                <a:cs typeface="Segoe UI" panose="020B0502040204020203" pitchFamily="34" charset="0"/>
-              </a:rPr>
-              <a:t>databáze skrze </a:t>
+              <a:t>Abstrakce databáze skrze </a:t>
             </a:r>
             <a:r>
               <a:rPr lang="cs-CZ" sz="2400" dirty="0" err="1" smtClean="0">
@@ -4799,20 +4763,7 @@
                 <a:latin typeface="Segoe UI" panose="020B0502040204020203" pitchFamily="34" charset="0"/>
                 <a:cs typeface="Segoe UI" panose="020B0502040204020203" pitchFamily="34" charset="0"/>
               </a:rPr>
-              <a:t>, která probíhá už na úrovni </a:t>
-            </a:r>
-            <a:r>
-              <a:rPr lang="cs-CZ" sz="2400" dirty="0" smtClean="0">
-                <a:solidFill>
-                  <a:schemeClr val="tx1">
-                    <a:lumMod val="75000"/>
-                    <a:lumOff val="25000"/>
-                  </a:schemeClr>
-                </a:solidFill>
-                <a:latin typeface="Segoe UI" panose="020B0502040204020203" pitchFamily="34" charset="0"/>
-                <a:cs typeface="Segoe UI" panose="020B0502040204020203" pitchFamily="34" charset="0"/>
-              </a:rPr>
-              <a:t>aplikace</a:t>
+              <a:t>, která probíhá už na úrovni aplikace</a:t>
             </a:r>
           </a:p>
           <a:p>
@@ -4849,20 +4800,7 @@
                 <a:latin typeface="Segoe UI" panose="020B0502040204020203" pitchFamily="34" charset="0"/>
                 <a:cs typeface="Segoe UI" panose="020B0502040204020203" pitchFamily="34" charset="0"/>
               </a:rPr>
-              <a:t>Celá </a:t>
-            </a:r>
-            <a:r>
-              <a:rPr lang="cs-CZ" sz="2400" dirty="0" smtClean="0">
-                <a:solidFill>
-                  <a:schemeClr val="tx1">
-                    <a:lumMod val="75000"/>
-                    <a:lumOff val="25000"/>
-                  </a:schemeClr>
-                </a:solidFill>
-                <a:latin typeface="Segoe UI" panose="020B0502040204020203" pitchFamily="34" charset="0"/>
-                <a:cs typeface="Segoe UI" panose="020B0502040204020203" pitchFamily="34" charset="0"/>
-              </a:rPr>
-              <a:t>řada </a:t>
+              <a:t>Celá řada </a:t>
             </a:r>
             <a:r>
               <a:rPr lang="cs-CZ" sz="2400" dirty="0" smtClean="0">

--- a/Doc/Prezentace-uvod.pptx
+++ b/Doc/Prezentace-uvod.pptx
@@ -4,6 +4,12 @@
   <p:sldMasterIdLst>
     <p:sldMasterId id="2147483672" r:id="rId1"/>
   </p:sldMasterIdLst>
+  <p:notesMasterIdLst>
+    <p:notesMasterId r:id="rId8"/>
+  </p:notesMasterIdLst>
+  <p:handoutMasterIdLst>
+    <p:handoutMasterId r:id="rId9"/>
+  </p:handoutMasterIdLst>
   <p:sldIdLst>
     <p:sldId id="256" r:id="rId2"/>
     <p:sldId id="262" r:id="rId3"/>
@@ -13,7 +19,7 @@
     <p:sldId id="260" r:id="rId7"/>
   </p:sldIdLst>
   <p:sldSz cx="9144000" cy="6858000" type="screen4x3"/>
-  <p:notesSz cx="6858000" cy="9144000"/>
+  <p:notesSz cx="6742113" cy="9872663"/>
   <p:defaultTextStyle>
     <a:defPPr>
       <a:defRPr lang="cs-CZ"/>
@@ -117,6 +123,889 @@
 </p:presentation>
 </file>
 
+<file path=ppt/handoutMasters/handoutMaster1.xml><?xml version="1.0" encoding="utf-8"?>
+<p:handoutMaster xmlns:a="http://schemas.openxmlformats.org/drawingml/2006/main" xmlns:r="http://schemas.openxmlformats.org/officeDocument/2006/relationships" xmlns:p="http://schemas.openxmlformats.org/presentationml/2006/main">
+  <p:cSld>
+    <p:bg>
+      <p:bgRef idx="1001">
+        <a:schemeClr val="bg1"/>
+      </p:bgRef>
+    </p:bg>
+    <p:spTree>
+      <p:nvGrpSpPr>
+        <p:cNvPr id="1" name=""/>
+        <p:cNvGrpSpPr/>
+        <p:nvPr/>
+      </p:nvGrpSpPr>
+      <p:grpSpPr>
+        <a:xfrm>
+          <a:off x="0" y="0"/>
+          <a:ext cx="0" cy="0"/>
+          <a:chOff x="0" y="0"/>
+          <a:chExt cx="0" cy="0"/>
+        </a:xfrm>
+      </p:grpSpPr>
+      <p:sp>
+        <p:nvSpPr>
+          <p:cNvPr id="2" name="Header Placeholder 1"/>
+          <p:cNvSpPr>
+            <a:spLocks noGrp="1"/>
+          </p:cNvSpPr>
+          <p:nvPr>
+            <p:ph type="hdr" sz="quarter"/>
+          </p:nvPr>
+        </p:nvSpPr>
+        <p:spPr>
+          <a:xfrm>
+            <a:off x="0" y="1"/>
+            <a:ext cx="2921582" cy="495348"/>
+          </a:xfrm>
+          <a:prstGeom prst="rect">
+            <a:avLst/>
+          </a:prstGeom>
+        </p:spPr>
+        <p:txBody>
+          <a:bodyPr vert="horz" lIns="91440" tIns="45720" rIns="91440" bIns="45720" rtlCol="0"/>
+          <a:lstStyle>
+            <a:lvl1pPr algn="l">
+              <a:defRPr sz="1200"/>
+            </a:lvl1pPr>
+          </a:lstStyle>
+          <a:p>
+            <a:endParaRPr lang="cs-CZ"/>
+          </a:p>
+        </p:txBody>
+      </p:sp>
+      <p:sp>
+        <p:nvSpPr>
+          <p:cNvPr id="3" name="Date Placeholder 2"/>
+          <p:cNvSpPr>
+            <a:spLocks noGrp="1"/>
+          </p:cNvSpPr>
+          <p:nvPr>
+            <p:ph type="dt" sz="quarter" idx="1"/>
+          </p:nvPr>
+        </p:nvSpPr>
+        <p:spPr>
+          <a:xfrm>
+            <a:off x="3818971" y="1"/>
+            <a:ext cx="2921582" cy="495348"/>
+          </a:xfrm>
+          <a:prstGeom prst="rect">
+            <a:avLst/>
+          </a:prstGeom>
+        </p:spPr>
+        <p:txBody>
+          <a:bodyPr vert="horz" lIns="91440" tIns="45720" rIns="91440" bIns="45720" rtlCol="0"/>
+          <a:lstStyle>
+            <a:lvl1pPr algn="r">
+              <a:defRPr sz="1200"/>
+            </a:lvl1pPr>
+          </a:lstStyle>
+          <a:p>
+            <a:fld id="{863A966F-685D-49DD-B721-422964574B23}" type="datetimeFigureOut">
+              <a:rPr lang="cs-CZ" smtClean="0"/>
+              <a:t>09.12.2015</a:t>
+            </a:fld>
+            <a:endParaRPr lang="cs-CZ"/>
+          </a:p>
+        </p:txBody>
+      </p:sp>
+      <p:sp>
+        <p:nvSpPr>
+          <p:cNvPr id="4" name="Footer Placeholder 3"/>
+          <p:cNvSpPr>
+            <a:spLocks noGrp="1"/>
+          </p:cNvSpPr>
+          <p:nvPr>
+            <p:ph type="ftr" sz="quarter" idx="2"/>
+          </p:nvPr>
+        </p:nvSpPr>
+        <p:spPr>
+          <a:xfrm>
+            <a:off x="0" y="9377317"/>
+            <a:ext cx="2921582" cy="495347"/>
+          </a:xfrm>
+          <a:prstGeom prst="rect">
+            <a:avLst/>
+          </a:prstGeom>
+        </p:spPr>
+        <p:txBody>
+          <a:bodyPr vert="horz" lIns="91440" tIns="45720" rIns="91440" bIns="45720" rtlCol="0" anchor="b"/>
+          <a:lstStyle>
+            <a:lvl1pPr algn="l">
+              <a:defRPr sz="1200"/>
+            </a:lvl1pPr>
+          </a:lstStyle>
+          <a:p>
+            <a:endParaRPr lang="cs-CZ"/>
+          </a:p>
+        </p:txBody>
+      </p:sp>
+      <p:sp>
+        <p:nvSpPr>
+          <p:cNvPr id="5" name="Slide Number Placeholder 4"/>
+          <p:cNvSpPr>
+            <a:spLocks noGrp="1"/>
+          </p:cNvSpPr>
+          <p:nvPr>
+            <p:ph type="sldNum" sz="quarter" idx="3"/>
+          </p:nvPr>
+        </p:nvSpPr>
+        <p:spPr>
+          <a:xfrm>
+            <a:off x="3818971" y="9377317"/>
+            <a:ext cx="2921582" cy="495347"/>
+          </a:xfrm>
+          <a:prstGeom prst="rect">
+            <a:avLst/>
+          </a:prstGeom>
+        </p:spPr>
+        <p:txBody>
+          <a:bodyPr vert="horz" lIns="91440" tIns="45720" rIns="91440" bIns="45720" rtlCol="0" anchor="b"/>
+          <a:lstStyle>
+            <a:lvl1pPr algn="r">
+              <a:defRPr sz="1200"/>
+            </a:lvl1pPr>
+          </a:lstStyle>
+          <a:p>
+            <a:fld id="{DC28C155-DFF9-4CA6-AFF3-F6ABE6B17AB4}" type="slidenum">
+              <a:rPr lang="cs-CZ" smtClean="0"/>
+              <a:t>‹#›</a:t>
+            </a:fld>
+            <a:endParaRPr lang="cs-CZ"/>
+          </a:p>
+        </p:txBody>
+      </p:sp>
+    </p:spTree>
+    <p:extLst>
+      <p:ext uri="{BB962C8B-B14F-4D97-AF65-F5344CB8AC3E}">
+        <p14:creationId xmlns:p14="http://schemas.microsoft.com/office/powerpoint/2010/main" val="2374424418"/>
+      </p:ext>
+    </p:extLst>
+  </p:cSld>
+  <p:clrMap bg1="lt1" tx1="dk1" bg2="lt2" tx2="dk2" accent1="accent1" accent2="accent2" accent3="accent3" accent4="accent4" accent5="accent5" accent6="accent6" hlink="hlink" folHlink="folHlink"/>
+  <p:hf sldNum="0" hdr="0" ftr="0" dt="0"/>
+</p:handoutMaster>
+</file>
+
+<file path=ppt/notesMasters/notesMaster1.xml><?xml version="1.0" encoding="utf-8"?>
+<p:notesMaster xmlns:a="http://schemas.openxmlformats.org/drawingml/2006/main" xmlns:r="http://schemas.openxmlformats.org/officeDocument/2006/relationships" xmlns:p="http://schemas.openxmlformats.org/presentationml/2006/main">
+  <p:cSld>
+    <p:bg>
+      <p:bgRef idx="1001">
+        <a:schemeClr val="bg1"/>
+      </p:bgRef>
+    </p:bg>
+    <p:spTree>
+      <p:nvGrpSpPr>
+        <p:cNvPr id="1" name=""/>
+        <p:cNvGrpSpPr/>
+        <p:nvPr/>
+      </p:nvGrpSpPr>
+      <p:grpSpPr>
+        <a:xfrm>
+          <a:off x="0" y="0"/>
+          <a:ext cx="0" cy="0"/>
+          <a:chOff x="0" y="0"/>
+          <a:chExt cx="0" cy="0"/>
+        </a:xfrm>
+      </p:grpSpPr>
+      <p:sp>
+        <p:nvSpPr>
+          <p:cNvPr id="2" name="Header Placeholder 1"/>
+          <p:cNvSpPr>
+            <a:spLocks noGrp="1"/>
+          </p:cNvSpPr>
+          <p:nvPr>
+            <p:ph type="hdr" sz="quarter"/>
+          </p:nvPr>
+        </p:nvSpPr>
+        <p:spPr>
+          <a:xfrm>
+            <a:off x="0" y="1"/>
+            <a:ext cx="2921582" cy="495348"/>
+          </a:xfrm>
+          <a:prstGeom prst="rect">
+            <a:avLst/>
+          </a:prstGeom>
+        </p:spPr>
+        <p:txBody>
+          <a:bodyPr vert="horz" lIns="91440" tIns="45720" rIns="91440" bIns="45720" rtlCol="0"/>
+          <a:lstStyle>
+            <a:lvl1pPr algn="l">
+              <a:defRPr sz="1200"/>
+            </a:lvl1pPr>
+          </a:lstStyle>
+          <a:p>
+            <a:endParaRPr lang="cs-CZ"/>
+          </a:p>
+        </p:txBody>
+      </p:sp>
+      <p:sp>
+        <p:nvSpPr>
+          <p:cNvPr id="3" name="Date Placeholder 2"/>
+          <p:cNvSpPr>
+            <a:spLocks noGrp="1"/>
+          </p:cNvSpPr>
+          <p:nvPr>
+            <p:ph type="dt" idx="1"/>
+          </p:nvPr>
+        </p:nvSpPr>
+        <p:spPr>
+          <a:xfrm>
+            <a:off x="3818971" y="1"/>
+            <a:ext cx="2921582" cy="495348"/>
+          </a:xfrm>
+          <a:prstGeom prst="rect">
+            <a:avLst/>
+          </a:prstGeom>
+        </p:spPr>
+        <p:txBody>
+          <a:bodyPr vert="horz" lIns="91440" tIns="45720" rIns="91440" bIns="45720" rtlCol="0"/>
+          <a:lstStyle>
+            <a:lvl1pPr algn="r">
+              <a:defRPr sz="1200"/>
+            </a:lvl1pPr>
+          </a:lstStyle>
+          <a:p>
+            <a:fld id="{CB28279C-B8EA-43F8-BCAF-4A312122687B}" type="datetimeFigureOut">
+              <a:rPr lang="cs-CZ" smtClean="0"/>
+              <a:t>09.12.2015</a:t>
+            </a:fld>
+            <a:endParaRPr lang="cs-CZ"/>
+          </a:p>
+        </p:txBody>
+      </p:sp>
+      <p:sp>
+        <p:nvSpPr>
+          <p:cNvPr id="4" name="Slide Image Placeholder 3"/>
+          <p:cNvSpPr>
+            <a:spLocks noGrp="1" noRot="1" noChangeAspect="1"/>
+          </p:cNvSpPr>
+          <p:nvPr>
+            <p:ph type="sldImg" idx="2"/>
+          </p:nvPr>
+        </p:nvSpPr>
+        <p:spPr>
+          <a:xfrm>
+            <a:off x="1150938" y="1233488"/>
+            <a:ext cx="4440237" cy="3332162"/>
+          </a:xfrm>
+          <a:prstGeom prst="rect">
+            <a:avLst/>
+          </a:prstGeom>
+          <a:noFill/>
+          <a:ln w="12700">
+            <a:solidFill>
+              <a:prstClr val="black"/>
+            </a:solidFill>
+          </a:ln>
+        </p:spPr>
+        <p:txBody>
+          <a:bodyPr vert="horz" lIns="91440" tIns="45720" rIns="91440" bIns="45720" rtlCol="0" anchor="ctr"/>
+          <a:lstStyle/>
+          <a:p>
+            <a:endParaRPr lang="cs-CZ"/>
+          </a:p>
+        </p:txBody>
+      </p:sp>
+      <p:sp>
+        <p:nvSpPr>
+          <p:cNvPr id="5" name="Notes Placeholder 4"/>
+          <p:cNvSpPr>
+            <a:spLocks noGrp="1"/>
+          </p:cNvSpPr>
+          <p:nvPr>
+            <p:ph type="body" sz="quarter" idx="3"/>
+          </p:nvPr>
+        </p:nvSpPr>
+        <p:spPr>
+          <a:xfrm>
+            <a:off x="674212" y="4751219"/>
+            <a:ext cx="5393690" cy="3887362"/>
+          </a:xfrm>
+          <a:prstGeom prst="rect">
+            <a:avLst/>
+          </a:prstGeom>
+        </p:spPr>
+        <p:txBody>
+          <a:bodyPr vert="horz" lIns="91440" tIns="45720" rIns="91440" bIns="45720" rtlCol="0"/>
+          <a:lstStyle/>
+          <a:p>
+            <a:pPr lvl="0"/>
+            <a:r>
+              <a:rPr lang="en-US" smtClean="0"/>
+              <a:t>Edit Master text styles</a:t>
+            </a:r>
+          </a:p>
+          <a:p>
+            <a:pPr lvl="1"/>
+            <a:r>
+              <a:rPr lang="en-US" smtClean="0"/>
+              <a:t>Second level</a:t>
+            </a:r>
+          </a:p>
+          <a:p>
+            <a:pPr lvl="2"/>
+            <a:r>
+              <a:rPr lang="en-US" smtClean="0"/>
+              <a:t>Third level</a:t>
+            </a:r>
+          </a:p>
+          <a:p>
+            <a:pPr lvl="3"/>
+            <a:r>
+              <a:rPr lang="en-US" smtClean="0"/>
+              <a:t>Fourth level</a:t>
+            </a:r>
+          </a:p>
+          <a:p>
+            <a:pPr lvl="4"/>
+            <a:r>
+              <a:rPr lang="en-US" smtClean="0"/>
+              <a:t>Fifth level</a:t>
+            </a:r>
+            <a:endParaRPr lang="cs-CZ"/>
+          </a:p>
+        </p:txBody>
+      </p:sp>
+      <p:sp>
+        <p:nvSpPr>
+          <p:cNvPr id="6" name="Footer Placeholder 5"/>
+          <p:cNvSpPr>
+            <a:spLocks noGrp="1"/>
+          </p:cNvSpPr>
+          <p:nvPr>
+            <p:ph type="ftr" sz="quarter" idx="4"/>
+          </p:nvPr>
+        </p:nvSpPr>
+        <p:spPr>
+          <a:xfrm>
+            <a:off x="0" y="9377317"/>
+            <a:ext cx="2921582" cy="495347"/>
+          </a:xfrm>
+          <a:prstGeom prst="rect">
+            <a:avLst/>
+          </a:prstGeom>
+        </p:spPr>
+        <p:txBody>
+          <a:bodyPr vert="horz" lIns="91440" tIns="45720" rIns="91440" bIns="45720" rtlCol="0" anchor="b"/>
+          <a:lstStyle>
+            <a:lvl1pPr algn="l">
+              <a:defRPr sz="1200"/>
+            </a:lvl1pPr>
+          </a:lstStyle>
+          <a:p>
+            <a:endParaRPr lang="cs-CZ"/>
+          </a:p>
+        </p:txBody>
+      </p:sp>
+      <p:sp>
+        <p:nvSpPr>
+          <p:cNvPr id="7" name="Slide Number Placeholder 6"/>
+          <p:cNvSpPr>
+            <a:spLocks noGrp="1"/>
+          </p:cNvSpPr>
+          <p:nvPr>
+            <p:ph type="sldNum" sz="quarter" idx="5"/>
+          </p:nvPr>
+        </p:nvSpPr>
+        <p:spPr>
+          <a:xfrm>
+            <a:off x="3818971" y="9377317"/>
+            <a:ext cx="2921582" cy="495347"/>
+          </a:xfrm>
+          <a:prstGeom prst="rect">
+            <a:avLst/>
+          </a:prstGeom>
+        </p:spPr>
+        <p:txBody>
+          <a:bodyPr vert="horz" lIns="91440" tIns="45720" rIns="91440" bIns="45720" rtlCol="0" anchor="b"/>
+          <a:lstStyle>
+            <a:lvl1pPr algn="r">
+              <a:defRPr sz="1200"/>
+            </a:lvl1pPr>
+          </a:lstStyle>
+          <a:p>
+            <a:fld id="{F8115C8B-549B-4702-ADA3-B01CC87FBE5D}" type="slidenum">
+              <a:rPr lang="cs-CZ" smtClean="0"/>
+              <a:t>‹#›</a:t>
+            </a:fld>
+            <a:endParaRPr lang="cs-CZ"/>
+          </a:p>
+        </p:txBody>
+      </p:sp>
+    </p:spTree>
+    <p:extLst>
+      <p:ext uri="{BB962C8B-B14F-4D97-AF65-F5344CB8AC3E}">
+        <p14:creationId xmlns:p14="http://schemas.microsoft.com/office/powerpoint/2010/main" val="1728659290"/>
+      </p:ext>
+    </p:extLst>
+  </p:cSld>
+  <p:clrMap bg1="lt1" tx1="dk1" bg2="lt2" tx2="dk2" accent1="accent1" accent2="accent2" accent3="accent3" accent4="accent4" accent5="accent5" accent6="accent6" hlink="hlink" folHlink="folHlink"/>
+  <p:hf sldNum="0" hdr="0" ftr="0" dt="0"/>
+  <p:notesStyle>
+    <a:lvl1pPr marL="0" algn="l" defTabSz="914400" rtl="0" eaLnBrk="1" latinLnBrk="0" hangingPunct="1">
+      <a:defRPr sz="1200" kern="1200">
+        <a:solidFill>
+          <a:schemeClr val="tx1"/>
+        </a:solidFill>
+        <a:latin typeface="+mn-lt"/>
+        <a:ea typeface="+mn-ea"/>
+        <a:cs typeface="+mn-cs"/>
+      </a:defRPr>
+    </a:lvl1pPr>
+    <a:lvl2pPr marL="457200" algn="l" defTabSz="914400" rtl="0" eaLnBrk="1" latinLnBrk="0" hangingPunct="1">
+      <a:defRPr sz="1200" kern="1200">
+        <a:solidFill>
+          <a:schemeClr val="tx1"/>
+        </a:solidFill>
+        <a:latin typeface="+mn-lt"/>
+        <a:ea typeface="+mn-ea"/>
+        <a:cs typeface="+mn-cs"/>
+      </a:defRPr>
+    </a:lvl2pPr>
+    <a:lvl3pPr marL="914400" algn="l" defTabSz="914400" rtl="0" eaLnBrk="1" latinLnBrk="0" hangingPunct="1">
+      <a:defRPr sz="1200" kern="1200">
+        <a:solidFill>
+          <a:schemeClr val="tx1"/>
+        </a:solidFill>
+        <a:latin typeface="+mn-lt"/>
+        <a:ea typeface="+mn-ea"/>
+        <a:cs typeface="+mn-cs"/>
+      </a:defRPr>
+    </a:lvl3pPr>
+    <a:lvl4pPr marL="1371600" algn="l" defTabSz="914400" rtl="0" eaLnBrk="1" latinLnBrk="0" hangingPunct="1">
+      <a:defRPr sz="1200" kern="1200">
+        <a:solidFill>
+          <a:schemeClr val="tx1"/>
+        </a:solidFill>
+        <a:latin typeface="+mn-lt"/>
+        <a:ea typeface="+mn-ea"/>
+        <a:cs typeface="+mn-cs"/>
+      </a:defRPr>
+    </a:lvl4pPr>
+    <a:lvl5pPr marL="1828800" algn="l" defTabSz="914400" rtl="0" eaLnBrk="1" latinLnBrk="0" hangingPunct="1">
+      <a:defRPr sz="1200" kern="1200">
+        <a:solidFill>
+          <a:schemeClr val="tx1"/>
+        </a:solidFill>
+        <a:latin typeface="+mn-lt"/>
+        <a:ea typeface="+mn-ea"/>
+        <a:cs typeface="+mn-cs"/>
+      </a:defRPr>
+    </a:lvl5pPr>
+    <a:lvl6pPr marL="2286000" algn="l" defTabSz="914400" rtl="0" eaLnBrk="1" latinLnBrk="0" hangingPunct="1">
+      <a:defRPr sz="1200" kern="1200">
+        <a:solidFill>
+          <a:schemeClr val="tx1"/>
+        </a:solidFill>
+        <a:latin typeface="+mn-lt"/>
+        <a:ea typeface="+mn-ea"/>
+        <a:cs typeface="+mn-cs"/>
+      </a:defRPr>
+    </a:lvl6pPr>
+    <a:lvl7pPr marL="2743200" algn="l" defTabSz="914400" rtl="0" eaLnBrk="1" latinLnBrk="0" hangingPunct="1">
+      <a:defRPr sz="1200" kern="1200">
+        <a:solidFill>
+          <a:schemeClr val="tx1"/>
+        </a:solidFill>
+        <a:latin typeface="+mn-lt"/>
+        <a:ea typeface="+mn-ea"/>
+        <a:cs typeface="+mn-cs"/>
+      </a:defRPr>
+    </a:lvl7pPr>
+    <a:lvl8pPr marL="3200400" algn="l" defTabSz="914400" rtl="0" eaLnBrk="1" latinLnBrk="0" hangingPunct="1">
+      <a:defRPr sz="1200" kern="1200">
+        <a:solidFill>
+          <a:schemeClr val="tx1"/>
+        </a:solidFill>
+        <a:latin typeface="+mn-lt"/>
+        <a:ea typeface="+mn-ea"/>
+        <a:cs typeface="+mn-cs"/>
+      </a:defRPr>
+    </a:lvl8pPr>
+    <a:lvl9pPr marL="3657600" algn="l" defTabSz="914400" rtl="0" eaLnBrk="1" latinLnBrk="0" hangingPunct="1">
+      <a:defRPr sz="1200" kern="1200">
+        <a:solidFill>
+          <a:schemeClr val="tx1"/>
+        </a:solidFill>
+        <a:latin typeface="+mn-lt"/>
+        <a:ea typeface="+mn-ea"/>
+        <a:cs typeface="+mn-cs"/>
+      </a:defRPr>
+    </a:lvl9pPr>
+  </p:notesStyle>
+</p:notesMaster>
+</file>
+
+<file path=ppt/notesSlides/notesSlide1.xml><?xml version="1.0" encoding="utf-8"?>
+<p:notes xmlns:a="http://schemas.openxmlformats.org/drawingml/2006/main" xmlns:r="http://schemas.openxmlformats.org/officeDocument/2006/relationships" xmlns:p="http://schemas.openxmlformats.org/presentationml/2006/main">
+  <p:cSld>
+    <p:spTree>
+      <p:nvGrpSpPr>
+        <p:cNvPr id="1" name=""/>
+        <p:cNvGrpSpPr/>
+        <p:nvPr/>
+      </p:nvGrpSpPr>
+      <p:grpSpPr>
+        <a:xfrm>
+          <a:off x="0" y="0"/>
+          <a:ext cx="0" cy="0"/>
+          <a:chOff x="0" y="0"/>
+          <a:chExt cx="0" cy="0"/>
+        </a:xfrm>
+      </p:grpSpPr>
+      <p:sp>
+        <p:nvSpPr>
+          <p:cNvPr id="2" name="Slide Image Placeholder 1"/>
+          <p:cNvSpPr>
+            <a:spLocks noGrp="1" noRot="1" noChangeAspect="1"/>
+          </p:cNvSpPr>
+          <p:nvPr>
+            <p:ph type="sldImg"/>
+          </p:nvPr>
+        </p:nvSpPr>
+        <p:spPr/>
+      </p:sp>
+      <p:sp>
+        <p:nvSpPr>
+          <p:cNvPr id="3" name="Notes Placeholder 2"/>
+          <p:cNvSpPr>
+            <a:spLocks noGrp="1"/>
+          </p:cNvSpPr>
+          <p:nvPr>
+            <p:ph type="body" idx="1"/>
+          </p:nvPr>
+        </p:nvSpPr>
+        <p:spPr/>
+        <p:txBody>
+          <a:bodyPr/>
+          <a:lstStyle/>
+          <a:p>
+            <a:endParaRPr lang="cs-CZ"/>
+          </a:p>
+        </p:txBody>
+      </p:sp>
+    </p:spTree>
+    <p:extLst>
+      <p:ext uri="{BB962C8B-B14F-4D97-AF65-F5344CB8AC3E}">
+        <p14:creationId xmlns:p14="http://schemas.microsoft.com/office/powerpoint/2010/main" val="3109585711"/>
+      </p:ext>
+    </p:extLst>
+  </p:cSld>
+  <p:clrMapOvr>
+    <a:masterClrMapping/>
+  </p:clrMapOvr>
+</p:notes>
+</file>
+
+<file path=ppt/notesSlides/notesSlide2.xml><?xml version="1.0" encoding="utf-8"?>
+<p:notes xmlns:a="http://schemas.openxmlformats.org/drawingml/2006/main" xmlns:r="http://schemas.openxmlformats.org/officeDocument/2006/relationships" xmlns:p="http://schemas.openxmlformats.org/presentationml/2006/main">
+  <p:cSld>
+    <p:spTree>
+      <p:nvGrpSpPr>
+        <p:cNvPr id="1" name=""/>
+        <p:cNvGrpSpPr/>
+        <p:nvPr/>
+      </p:nvGrpSpPr>
+      <p:grpSpPr>
+        <a:xfrm>
+          <a:off x="0" y="0"/>
+          <a:ext cx="0" cy="0"/>
+          <a:chOff x="0" y="0"/>
+          <a:chExt cx="0" cy="0"/>
+        </a:xfrm>
+      </p:grpSpPr>
+      <p:sp>
+        <p:nvSpPr>
+          <p:cNvPr id="2" name="Slide Image Placeholder 1"/>
+          <p:cNvSpPr>
+            <a:spLocks noGrp="1" noRot="1" noChangeAspect="1"/>
+          </p:cNvSpPr>
+          <p:nvPr>
+            <p:ph type="sldImg"/>
+          </p:nvPr>
+        </p:nvSpPr>
+        <p:spPr/>
+      </p:sp>
+      <p:sp>
+        <p:nvSpPr>
+          <p:cNvPr id="3" name="Notes Placeholder 2"/>
+          <p:cNvSpPr>
+            <a:spLocks noGrp="1"/>
+          </p:cNvSpPr>
+          <p:nvPr>
+            <p:ph type="body" idx="1"/>
+          </p:nvPr>
+        </p:nvSpPr>
+        <p:spPr/>
+        <p:txBody>
+          <a:bodyPr/>
+          <a:lstStyle/>
+          <a:p>
+            <a:endParaRPr lang="cs-CZ"/>
+          </a:p>
+        </p:txBody>
+      </p:sp>
+    </p:spTree>
+    <p:extLst>
+      <p:ext uri="{BB962C8B-B14F-4D97-AF65-F5344CB8AC3E}">
+        <p14:creationId xmlns:p14="http://schemas.microsoft.com/office/powerpoint/2010/main" val="108329828"/>
+      </p:ext>
+    </p:extLst>
+  </p:cSld>
+  <p:clrMapOvr>
+    <a:masterClrMapping/>
+  </p:clrMapOvr>
+</p:notes>
+</file>
+
+<file path=ppt/notesSlides/notesSlide3.xml><?xml version="1.0" encoding="utf-8"?>
+<p:notes xmlns:a="http://schemas.openxmlformats.org/drawingml/2006/main" xmlns:r="http://schemas.openxmlformats.org/officeDocument/2006/relationships" xmlns:p="http://schemas.openxmlformats.org/presentationml/2006/main">
+  <p:cSld>
+    <p:spTree>
+      <p:nvGrpSpPr>
+        <p:cNvPr id="1" name=""/>
+        <p:cNvGrpSpPr/>
+        <p:nvPr/>
+      </p:nvGrpSpPr>
+      <p:grpSpPr>
+        <a:xfrm>
+          <a:off x="0" y="0"/>
+          <a:ext cx="0" cy="0"/>
+          <a:chOff x="0" y="0"/>
+          <a:chExt cx="0" cy="0"/>
+        </a:xfrm>
+      </p:grpSpPr>
+      <p:sp>
+        <p:nvSpPr>
+          <p:cNvPr id="2" name="Slide Image Placeholder 1"/>
+          <p:cNvSpPr>
+            <a:spLocks noGrp="1" noRot="1" noChangeAspect="1"/>
+          </p:cNvSpPr>
+          <p:nvPr>
+            <p:ph type="sldImg"/>
+          </p:nvPr>
+        </p:nvSpPr>
+        <p:spPr/>
+      </p:sp>
+      <p:sp>
+        <p:nvSpPr>
+          <p:cNvPr id="3" name="Notes Placeholder 2"/>
+          <p:cNvSpPr>
+            <a:spLocks noGrp="1"/>
+          </p:cNvSpPr>
+          <p:nvPr>
+            <p:ph type="body" idx="1"/>
+          </p:nvPr>
+        </p:nvSpPr>
+        <p:spPr/>
+        <p:txBody>
+          <a:bodyPr/>
+          <a:lstStyle/>
+          <a:p>
+            <a:endParaRPr lang="cs-CZ"/>
+          </a:p>
+        </p:txBody>
+      </p:sp>
+    </p:spTree>
+    <p:extLst>
+      <p:ext uri="{BB962C8B-B14F-4D97-AF65-F5344CB8AC3E}">
+        <p14:creationId xmlns:p14="http://schemas.microsoft.com/office/powerpoint/2010/main" val="1934343268"/>
+      </p:ext>
+    </p:extLst>
+  </p:cSld>
+  <p:clrMapOvr>
+    <a:masterClrMapping/>
+  </p:clrMapOvr>
+</p:notes>
+</file>
+
+<file path=ppt/notesSlides/notesSlide4.xml><?xml version="1.0" encoding="utf-8"?>
+<p:notes xmlns:a="http://schemas.openxmlformats.org/drawingml/2006/main" xmlns:r="http://schemas.openxmlformats.org/officeDocument/2006/relationships" xmlns:p="http://schemas.openxmlformats.org/presentationml/2006/main">
+  <p:cSld>
+    <p:spTree>
+      <p:nvGrpSpPr>
+        <p:cNvPr id="1" name=""/>
+        <p:cNvGrpSpPr/>
+        <p:nvPr/>
+      </p:nvGrpSpPr>
+      <p:grpSpPr>
+        <a:xfrm>
+          <a:off x="0" y="0"/>
+          <a:ext cx="0" cy="0"/>
+          <a:chOff x="0" y="0"/>
+          <a:chExt cx="0" cy="0"/>
+        </a:xfrm>
+      </p:grpSpPr>
+      <p:sp>
+        <p:nvSpPr>
+          <p:cNvPr id="2" name="Slide Image Placeholder 1"/>
+          <p:cNvSpPr>
+            <a:spLocks noGrp="1" noRot="1" noChangeAspect="1"/>
+          </p:cNvSpPr>
+          <p:nvPr>
+            <p:ph type="sldImg"/>
+          </p:nvPr>
+        </p:nvSpPr>
+        <p:spPr/>
+      </p:sp>
+      <p:sp>
+        <p:nvSpPr>
+          <p:cNvPr id="3" name="Notes Placeholder 2"/>
+          <p:cNvSpPr>
+            <a:spLocks noGrp="1"/>
+          </p:cNvSpPr>
+          <p:nvPr>
+            <p:ph type="body" idx="1"/>
+          </p:nvPr>
+        </p:nvSpPr>
+        <p:spPr/>
+        <p:txBody>
+          <a:bodyPr/>
+          <a:lstStyle/>
+          <a:p>
+            <a:endParaRPr lang="cs-CZ"/>
+          </a:p>
+        </p:txBody>
+      </p:sp>
+    </p:spTree>
+    <p:extLst>
+      <p:ext uri="{BB962C8B-B14F-4D97-AF65-F5344CB8AC3E}">
+        <p14:creationId xmlns:p14="http://schemas.microsoft.com/office/powerpoint/2010/main" val="2176401209"/>
+      </p:ext>
+    </p:extLst>
+  </p:cSld>
+  <p:clrMapOvr>
+    <a:masterClrMapping/>
+  </p:clrMapOvr>
+</p:notes>
+</file>
+
+<file path=ppt/notesSlides/notesSlide5.xml><?xml version="1.0" encoding="utf-8"?>
+<p:notes xmlns:a="http://schemas.openxmlformats.org/drawingml/2006/main" xmlns:r="http://schemas.openxmlformats.org/officeDocument/2006/relationships" xmlns:p="http://schemas.openxmlformats.org/presentationml/2006/main">
+  <p:cSld>
+    <p:spTree>
+      <p:nvGrpSpPr>
+        <p:cNvPr id="1" name=""/>
+        <p:cNvGrpSpPr/>
+        <p:nvPr/>
+      </p:nvGrpSpPr>
+      <p:grpSpPr>
+        <a:xfrm>
+          <a:off x="0" y="0"/>
+          <a:ext cx="0" cy="0"/>
+          <a:chOff x="0" y="0"/>
+          <a:chExt cx="0" cy="0"/>
+        </a:xfrm>
+      </p:grpSpPr>
+      <p:sp>
+        <p:nvSpPr>
+          <p:cNvPr id="2" name="Slide Image Placeholder 1"/>
+          <p:cNvSpPr>
+            <a:spLocks noGrp="1" noRot="1" noChangeAspect="1"/>
+          </p:cNvSpPr>
+          <p:nvPr>
+            <p:ph type="sldImg"/>
+          </p:nvPr>
+        </p:nvSpPr>
+        <p:spPr/>
+      </p:sp>
+      <p:sp>
+        <p:nvSpPr>
+          <p:cNvPr id="3" name="Notes Placeholder 2"/>
+          <p:cNvSpPr>
+            <a:spLocks noGrp="1"/>
+          </p:cNvSpPr>
+          <p:nvPr>
+            <p:ph type="body" idx="1"/>
+          </p:nvPr>
+        </p:nvSpPr>
+        <p:spPr/>
+        <p:txBody>
+          <a:bodyPr/>
+          <a:lstStyle/>
+          <a:p>
+            <a:endParaRPr lang="cs-CZ"/>
+          </a:p>
+        </p:txBody>
+      </p:sp>
+    </p:spTree>
+    <p:extLst>
+      <p:ext uri="{BB962C8B-B14F-4D97-AF65-F5344CB8AC3E}">
+        <p14:creationId xmlns:p14="http://schemas.microsoft.com/office/powerpoint/2010/main" val="3521616163"/>
+      </p:ext>
+    </p:extLst>
+  </p:cSld>
+  <p:clrMapOvr>
+    <a:masterClrMapping/>
+  </p:clrMapOvr>
+</p:notes>
+</file>
+
+<file path=ppt/notesSlides/notesSlide6.xml><?xml version="1.0" encoding="utf-8"?>
+<p:notes xmlns:a="http://schemas.openxmlformats.org/drawingml/2006/main" xmlns:r="http://schemas.openxmlformats.org/officeDocument/2006/relationships" xmlns:p="http://schemas.openxmlformats.org/presentationml/2006/main">
+  <p:cSld>
+    <p:spTree>
+      <p:nvGrpSpPr>
+        <p:cNvPr id="1" name=""/>
+        <p:cNvGrpSpPr/>
+        <p:nvPr/>
+      </p:nvGrpSpPr>
+      <p:grpSpPr>
+        <a:xfrm>
+          <a:off x="0" y="0"/>
+          <a:ext cx="0" cy="0"/>
+          <a:chOff x="0" y="0"/>
+          <a:chExt cx="0" cy="0"/>
+        </a:xfrm>
+      </p:grpSpPr>
+      <p:sp>
+        <p:nvSpPr>
+          <p:cNvPr id="2" name="Slide Image Placeholder 1"/>
+          <p:cNvSpPr>
+            <a:spLocks noGrp="1" noRot="1" noChangeAspect="1"/>
+          </p:cNvSpPr>
+          <p:nvPr>
+            <p:ph type="sldImg"/>
+          </p:nvPr>
+        </p:nvSpPr>
+        <p:spPr/>
+      </p:sp>
+      <p:sp>
+        <p:nvSpPr>
+          <p:cNvPr id="3" name="Notes Placeholder 2"/>
+          <p:cNvSpPr>
+            <a:spLocks noGrp="1"/>
+          </p:cNvSpPr>
+          <p:nvPr>
+            <p:ph type="body" idx="1"/>
+          </p:nvPr>
+        </p:nvSpPr>
+        <p:spPr/>
+        <p:txBody>
+          <a:bodyPr/>
+          <a:lstStyle/>
+          <a:p>
+            <a:endParaRPr lang="cs-CZ"/>
+          </a:p>
+        </p:txBody>
+      </p:sp>
+    </p:spTree>
+    <p:extLst>
+      <p:ext uri="{BB962C8B-B14F-4D97-AF65-F5344CB8AC3E}">
+        <p14:creationId xmlns:p14="http://schemas.microsoft.com/office/powerpoint/2010/main" val="3067984661"/>
+      </p:ext>
+    </p:extLst>
+  </p:cSld>
+  <p:clrMapOvr>
+    <a:masterClrMapping/>
+  </p:clrMapOvr>
+</p:notes>
+</file>
+
 <file path=ppt/slideLayouts/slideLayout1.xml><?xml version="1.0" encoding="utf-8"?>
 <p:sldLayout xmlns:a="http://schemas.openxmlformats.org/drawingml/2006/main" xmlns:r="http://schemas.openxmlformats.org/officeDocument/2006/relationships" xmlns:p="http://schemas.openxmlformats.org/presentationml/2006/main" type="title" preserve="1">
   <p:cSld name="Title Slide">
@@ -257,9 +1146,9 @@
           <a:bodyPr/>
           <a:lstStyle/>
           <a:p>
-            <a:fld id="{8725CDB3-0518-4E68-B4FF-B948AD6ADE2B}" type="datetimeFigureOut">
+            <a:fld id="{841EEED7-8332-4157-804E-1E63B6B073F7}" type="datetime1">
               <a:rPr lang="cs-CZ" smtClean="0"/>
-              <a:t>05.12.2015</a:t>
+              <a:t>09.12.2015</a:t>
             </a:fld>
             <a:endParaRPr lang="cs-CZ"/>
           </a:p>
@@ -427,9 +1316,9 @@
           <a:bodyPr/>
           <a:lstStyle/>
           <a:p>
-            <a:fld id="{8725CDB3-0518-4E68-B4FF-B948AD6ADE2B}" type="datetimeFigureOut">
+            <a:fld id="{5BA910DF-821E-4B98-AE12-5D2D3CC2AE82}" type="datetime1">
               <a:rPr lang="cs-CZ" smtClean="0"/>
-              <a:t>05.12.2015</a:t>
+              <a:t>09.12.2015</a:t>
             </a:fld>
             <a:endParaRPr lang="cs-CZ"/>
           </a:p>
@@ -607,9 +1496,9 @@
           <a:bodyPr/>
           <a:lstStyle/>
           <a:p>
-            <a:fld id="{8725CDB3-0518-4E68-B4FF-B948AD6ADE2B}" type="datetimeFigureOut">
+            <a:fld id="{A939666A-42DE-43F8-8CDC-B6B3743EDF53}" type="datetime1">
               <a:rPr lang="cs-CZ" smtClean="0"/>
-              <a:t>05.12.2015</a:t>
+              <a:t>09.12.2015</a:t>
             </a:fld>
             <a:endParaRPr lang="cs-CZ"/>
           </a:p>
@@ -777,9 +1666,9 @@
           <a:bodyPr/>
           <a:lstStyle/>
           <a:p>
-            <a:fld id="{8725CDB3-0518-4E68-B4FF-B948AD6ADE2B}" type="datetimeFigureOut">
+            <a:fld id="{CCDBCAA3-A543-48ED-8B0A-CD4663B1EF90}" type="datetime1">
               <a:rPr lang="cs-CZ" smtClean="0"/>
-              <a:t>05.12.2015</a:t>
+              <a:t>09.12.2015</a:t>
             </a:fld>
             <a:endParaRPr lang="cs-CZ"/>
           </a:p>
@@ -1028,9 +1917,9 @@
           <a:bodyPr/>
           <a:lstStyle/>
           <a:p>
-            <a:fld id="{8725CDB3-0518-4E68-B4FF-B948AD6ADE2B}" type="datetimeFigureOut">
+            <a:fld id="{DF11D26E-2797-427E-8044-D03493BC55F7}" type="datetime1">
               <a:rPr lang="cs-CZ" smtClean="0"/>
-              <a:t>05.12.2015</a:t>
+              <a:t>09.12.2015</a:t>
             </a:fld>
             <a:endParaRPr lang="cs-CZ"/>
           </a:p>
@@ -1260,9 +2149,9 @@
           <a:bodyPr/>
           <a:lstStyle/>
           <a:p>
-            <a:fld id="{8725CDB3-0518-4E68-B4FF-B948AD6ADE2B}" type="datetimeFigureOut">
+            <a:fld id="{26E326B3-B0E9-49FC-82E3-056DD0CF7B10}" type="datetime1">
               <a:rPr lang="cs-CZ" smtClean="0"/>
-              <a:t>05.12.2015</a:t>
+              <a:t>09.12.2015</a:t>
             </a:fld>
             <a:endParaRPr lang="cs-CZ"/>
           </a:p>
@@ -1607,9 +2496,9 @@
           <a:bodyPr/>
           <a:lstStyle/>
           <a:p>
-            <a:fld id="{8725CDB3-0518-4E68-B4FF-B948AD6ADE2B}" type="datetimeFigureOut">
+            <a:fld id="{7CA6BB35-B637-4168-9367-72AA76ACC0AF}" type="datetime1">
               <a:rPr lang="cs-CZ" smtClean="0"/>
-              <a:t>05.12.2015</a:t>
+              <a:t>09.12.2015</a:t>
             </a:fld>
             <a:endParaRPr lang="cs-CZ"/>
           </a:p>
@@ -1725,9 +2614,9 @@
           <a:bodyPr/>
           <a:lstStyle/>
           <a:p>
-            <a:fld id="{8725CDB3-0518-4E68-B4FF-B948AD6ADE2B}" type="datetimeFigureOut">
+            <a:fld id="{58FFAB71-DA15-46EA-B7C9-DC4C2EEE0087}" type="datetime1">
               <a:rPr lang="cs-CZ" smtClean="0"/>
-              <a:t>05.12.2015</a:t>
+              <a:t>09.12.2015</a:t>
             </a:fld>
             <a:endParaRPr lang="cs-CZ"/>
           </a:p>
@@ -1843,9 +2732,9 @@
           <a:bodyPr/>
           <a:lstStyle/>
           <a:p>
-            <a:fld id="{8725CDB3-0518-4E68-B4FF-B948AD6ADE2B}" type="datetimeFigureOut">
+            <a:fld id="{19F358AD-4DEF-424C-8633-0521E5FB96D2}" type="datetime1">
               <a:rPr lang="cs-CZ" smtClean="0"/>
-              <a:t>05.12.2015</a:t>
+              <a:t>09.12.2015</a:t>
             </a:fld>
             <a:endParaRPr lang="cs-CZ"/>
           </a:p>
@@ -2127,9 +3016,9 @@
           <a:bodyPr/>
           <a:lstStyle/>
           <a:p>
-            <a:fld id="{8725CDB3-0518-4E68-B4FF-B948AD6ADE2B}" type="datetimeFigureOut">
+            <a:fld id="{64C74391-DF96-44F8-82E9-AD6AAB5CD46D}" type="datetime1">
               <a:rPr lang="cs-CZ" smtClean="0"/>
-              <a:t>05.12.2015</a:t>
+              <a:t>09.12.2015</a:t>
             </a:fld>
             <a:endParaRPr lang="cs-CZ"/>
           </a:p>
@@ -2391,9 +3280,9 @@
           <a:bodyPr/>
           <a:lstStyle/>
           <a:p>
-            <a:fld id="{8725CDB3-0518-4E68-B4FF-B948AD6ADE2B}" type="datetimeFigureOut">
+            <a:fld id="{2E924D61-C6C3-42C8-9322-D5B28F02CB88}" type="datetime1">
               <a:rPr lang="cs-CZ" smtClean="0"/>
-              <a:t>05.12.2015</a:t>
+              <a:t>09.12.2015</a:t>
             </a:fld>
             <a:endParaRPr lang="cs-CZ"/>
           </a:p>
@@ -2605,9 +3494,9 @@
             </a:lvl1pPr>
           </a:lstStyle>
           <a:p>
-            <a:fld id="{8725CDB3-0518-4E68-B4FF-B948AD6ADE2B}" type="datetimeFigureOut">
+            <a:fld id="{0E0C912E-A917-46BD-B49B-A6F4DE2A1E3F}" type="datetime1">
               <a:rPr lang="cs-CZ" smtClean="0"/>
-              <a:t>05.12.2015</a:t>
+              <a:t>09.12.2015</a:t>
             </a:fld>
             <a:endParaRPr lang="cs-CZ"/>
           </a:p>
@@ -2713,6 +3602,7 @@
     <p:sldLayoutId id="2147483682" r:id="rId10"/>
     <p:sldLayoutId id="2147483683" r:id="rId11"/>
   </p:sldLayoutIdLst>
+  <p:hf sldNum="0" hdr="0" ftr="0" dt="0"/>
   <p:txStyles>
     <p:titleStyle>
       <a:lvl1pPr algn="l" defTabSz="685800" rtl="0" eaLnBrk="1" latinLnBrk="0" hangingPunct="1">
@@ -3041,16 +3931,6 @@
               </a:rPr>
               <a:t>Úvod do Entity Framework</a:t>
             </a:r>
-            <a:endParaRPr lang="cs-CZ" sz="2400" dirty="0" smtClean="0">
-              <a:solidFill>
-                <a:schemeClr val="tx1">
-                  <a:lumMod val="75000"/>
-                  <a:lumOff val="25000"/>
-                </a:schemeClr>
-              </a:solidFill>
-              <a:latin typeface="Segoe UI" panose="020B0502040204020203" pitchFamily="34" charset="0"/>
-              <a:cs typeface="Segoe UI" panose="020B0502040204020203" pitchFamily="34" charset="0"/>
-            </a:endParaRPr>
           </a:p>
           <a:p>
             <a:pPr algn="ctr">
@@ -3225,7 +4105,7 @@
           <p:nvPr/>
         </p:nvPicPr>
         <p:blipFill>
-          <a:blip r:embed="rId2"/>
+          <a:blip r:embed="rId3"/>
           <a:stretch>
             <a:fillRect/>
           </a:stretch>
@@ -3249,7 +4129,7 @@
           <p:nvPr/>
         </p:nvPicPr>
         <p:blipFill>
-          <a:blip r:embed="rId3"/>
+          <a:blip r:embed="rId4"/>
           <a:stretch>
             <a:fillRect/>
           </a:stretch>
@@ -3592,7 +4472,7 @@
           <p:nvPr/>
         </p:nvPicPr>
         <p:blipFill>
-          <a:blip r:embed="rId2"/>
+          <a:blip r:embed="rId3"/>
           <a:stretch>
             <a:fillRect/>
           </a:stretch>
@@ -3616,7 +4496,7 @@
           <p:nvPr/>
         </p:nvPicPr>
         <p:blipFill>
-          <a:blip r:embed="rId3">
+          <a:blip r:embed="rId4">
             <a:clrChange>
               <a:clrFrom>
                 <a:srgbClr val="0872B7"/>
@@ -4321,7 +5201,7 @@
           <p:nvPr/>
         </p:nvPicPr>
         <p:blipFill>
-          <a:blip r:embed="rId2">
+          <a:blip r:embed="rId3">
             <a:clrChange>
               <a:clrFrom>
                 <a:srgbClr val="0872B7"/>
@@ -4921,7 +5801,7 @@
           <p:nvPr/>
         </p:nvPicPr>
         <p:blipFill>
-          <a:blip r:embed="rId2">
+          <a:blip r:embed="rId3">
             <a:clrChange>
               <a:clrFrom>
                 <a:srgbClr val="0872B7"/>
@@ -4956,7 +5836,7 @@
           <p:nvPr/>
         </p:nvPicPr>
         <p:blipFill>
-          <a:blip r:embed="rId3">
+          <a:blip r:embed="rId4">
             <a:extLst>
               <a:ext uri="{28A0092B-C50C-407E-A947-70E740481C1C}">
                 <a14:useLocalDpi xmlns:a14="http://schemas.microsoft.com/office/drawing/2010/main" val="0"/>
@@ -5138,7 +6018,7 @@
           <p:nvPr/>
         </p:nvPicPr>
         <p:blipFill>
-          <a:blip r:embed="rId2">
+          <a:blip r:embed="rId3">
             <a:clrChange>
               <a:clrFrom>
                 <a:srgbClr val="0872B7"/>
@@ -5173,7 +6053,7 @@
           <p:nvPr/>
         </p:nvPicPr>
         <p:blipFill>
-          <a:blip r:embed="rId3">
+          <a:blip r:embed="rId4">
             <a:extLst>
               <a:ext uri="{28A0092B-C50C-407E-A947-70E740481C1C}">
                 <a14:useLocalDpi xmlns:a14="http://schemas.microsoft.com/office/drawing/2010/main" val="0"/>
@@ -5214,7 +6094,7 @@
           <p:nvPr/>
         </p:nvPicPr>
         <p:blipFill>
-          <a:blip r:embed="rId4">
+          <a:blip r:embed="rId5">
             <a:extLst>
               <a:ext uri="{28A0092B-C50C-407E-A947-70E740481C1C}">
                 <a14:useLocalDpi xmlns:a14="http://schemas.microsoft.com/office/drawing/2010/main" val="0"/>
@@ -5255,7 +6135,7 @@
           <p:nvPr/>
         </p:nvPicPr>
         <p:blipFill>
-          <a:blip r:embed="rId5">
+          <a:blip r:embed="rId6">
             <a:extLst>
               <a:ext uri="{28A0092B-C50C-407E-A947-70E740481C1C}">
                 <a14:useLocalDpi xmlns:a14="http://schemas.microsoft.com/office/drawing/2010/main" val="0"/>
@@ -5938,7 +6818,7 @@
           <p:nvPr/>
         </p:nvPicPr>
         <p:blipFill>
-          <a:blip r:embed="rId2">
+          <a:blip r:embed="rId3">
             <a:clrChange>
               <a:clrFrom>
                 <a:srgbClr val="0872B7"/>
@@ -5973,7 +6853,7 @@
           <p:nvPr/>
         </p:nvPicPr>
         <p:blipFill>
-          <a:blip r:embed="rId3"/>
+          <a:blip r:embed="rId4"/>
           <a:stretch>
             <a:fillRect/>
           </a:stretch>
@@ -6367,4 +7247,526 @@
   <a:objectDefaults/>
   <a:extraClrSchemeLst/>
 </a:theme>
+</file>
+
+<file path=ppt/theme/theme2.xml><?xml version="1.0" encoding="utf-8"?>
+<a:theme xmlns:a="http://schemas.openxmlformats.org/drawingml/2006/main" name="Office Theme">
+  <a:themeElements>
+    <a:clrScheme name="Office">
+      <a:dk1>
+        <a:sysClr val="windowText" lastClr="000000"/>
+      </a:dk1>
+      <a:lt1>
+        <a:sysClr val="window" lastClr="FFFFFF"/>
+      </a:lt1>
+      <a:dk2>
+        <a:srgbClr val="44546A"/>
+      </a:dk2>
+      <a:lt2>
+        <a:srgbClr val="E7E6E6"/>
+      </a:lt2>
+      <a:accent1>
+        <a:srgbClr val="5B9BD5"/>
+      </a:accent1>
+      <a:accent2>
+        <a:srgbClr val="ED7D31"/>
+      </a:accent2>
+      <a:accent3>
+        <a:srgbClr val="A5A5A5"/>
+      </a:accent3>
+      <a:accent4>
+        <a:srgbClr val="FFC000"/>
+      </a:accent4>
+      <a:accent5>
+        <a:srgbClr val="4472C4"/>
+      </a:accent5>
+      <a:accent6>
+        <a:srgbClr val="70AD47"/>
+      </a:accent6>
+      <a:hlink>
+        <a:srgbClr val="0563C1"/>
+      </a:hlink>
+      <a:folHlink>
+        <a:srgbClr val="954F72"/>
+      </a:folHlink>
+    </a:clrScheme>
+    <a:fontScheme name="Office">
+      <a:majorFont>
+        <a:latin typeface="Calibri Light" panose="020F0302020204030204"/>
+        <a:ea typeface=""/>
+        <a:cs typeface=""/>
+        <a:font script="Jpan" typeface="游ゴシック Light"/>
+        <a:font script="Hang" typeface="맑은 고딕"/>
+        <a:font script="Hans" typeface="等线 Light"/>
+        <a:font script="Hant" typeface="新細明體"/>
+        <a:font script="Arab" typeface="Times New Roman"/>
+        <a:font script="Hebr" typeface="Times New Roman"/>
+        <a:font script="Thai" typeface="Angsana New"/>
+        <a:font script="Ethi" typeface="Nyala"/>
+        <a:font script="Beng" typeface="Vrinda"/>
+        <a:font script="Gujr" typeface="Shruti"/>
+        <a:font script="Khmr" typeface="MoolBoran"/>
+        <a:font script="Knda" typeface="Tunga"/>
+        <a:font script="Guru" typeface="Raavi"/>
+        <a:font script="Cans" typeface="Euphemia"/>
+        <a:font script="Cher" typeface="Plantagenet Cherokee"/>
+        <a:font script="Yiii" typeface="Microsoft Yi Baiti"/>
+        <a:font script="Tibt" typeface="Microsoft Himalaya"/>
+        <a:font script="Thaa" typeface="MV Boli"/>
+        <a:font script="Deva" typeface="Mangal"/>
+        <a:font script="Telu" typeface="Gautami"/>
+        <a:font script="Taml" typeface="Latha"/>
+        <a:font script="Syrc" typeface="Estrangelo Edessa"/>
+        <a:font script="Orya" typeface="Kalinga"/>
+        <a:font script="Mlym" typeface="Kartika"/>
+        <a:font script="Laoo" typeface="DokChampa"/>
+        <a:font script="Sinh" typeface="Iskoola Pota"/>
+        <a:font script="Mong" typeface="Mongolian Baiti"/>
+        <a:font script="Viet" typeface="Times New Roman"/>
+        <a:font script="Uigh" typeface="Microsoft Uighur"/>
+        <a:font script="Geor" typeface="Sylfaen"/>
+      </a:majorFont>
+      <a:minorFont>
+        <a:latin typeface="Calibri" panose="020F0502020204030204"/>
+        <a:ea typeface=""/>
+        <a:cs typeface=""/>
+        <a:font script="Jpan" typeface="游ゴシック"/>
+        <a:font script="Hang" typeface="맑은 고딕"/>
+        <a:font script="Hans" typeface="等线"/>
+        <a:font script="Hant" typeface="新細明體"/>
+        <a:font script="Arab" typeface="Arial"/>
+        <a:font script="Hebr" typeface="Arial"/>
+        <a:font script="Thai" typeface="Cordia New"/>
+        <a:font script="Ethi" typeface="Nyala"/>
+        <a:font script="Beng" typeface="Vrinda"/>
+        <a:font script="Gujr" typeface="Shruti"/>
+        <a:font script="Khmr" typeface="DaunPenh"/>
+        <a:font script="Knda" typeface="Tunga"/>
+        <a:font script="Guru" typeface="Raavi"/>
+        <a:font script="Cans" typeface="Euphemia"/>
+        <a:font script="Cher" typeface="Plantagenet Cherokee"/>
+        <a:font script="Yiii" typeface="Microsoft Yi Baiti"/>
+        <a:font script="Tibt" typeface="Microsoft Himalaya"/>
+        <a:font script="Thaa" typeface="MV Boli"/>
+        <a:font script="Deva" typeface="Mangal"/>
+        <a:font script="Telu" typeface="Gautami"/>
+        <a:font script="Taml" typeface="Latha"/>
+        <a:font script="Syrc" typeface="Estrangelo Edessa"/>
+        <a:font script="Orya" typeface="Kalinga"/>
+        <a:font script="Mlym" typeface="Kartika"/>
+        <a:font script="Laoo" typeface="DokChampa"/>
+        <a:font script="Sinh" typeface="Iskoola Pota"/>
+        <a:font script="Mong" typeface="Mongolian Baiti"/>
+        <a:font script="Viet" typeface="Arial"/>
+        <a:font script="Uigh" typeface="Microsoft Uighur"/>
+        <a:font script="Geor" typeface="Sylfaen"/>
+      </a:minorFont>
+    </a:fontScheme>
+    <a:fmtScheme name="Office">
+      <a:fillStyleLst>
+        <a:solidFill>
+          <a:schemeClr val="phClr"/>
+        </a:solidFill>
+        <a:gradFill rotWithShape="1">
+          <a:gsLst>
+            <a:gs pos="0">
+              <a:schemeClr val="phClr">
+                <a:lumMod val="110000"/>
+                <a:satMod val="105000"/>
+                <a:tint val="67000"/>
+              </a:schemeClr>
+            </a:gs>
+            <a:gs pos="50000">
+              <a:schemeClr val="phClr">
+                <a:lumMod val="105000"/>
+                <a:satMod val="103000"/>
+                <a:tint val="73000"/>
+              </a:schemeClr>
+            </a:gs>
+            <a:gs pos="100000">
+              <a:schemeClr val="phClr">
+                <a:lumMod val="105000"/>
+                <a:satMod val="109000"/>
+                <a:tint val="81000"/>
+              </a:schemeClr>
+            </a:gs>
+          </a:gsLst>
+          <a:lin ang="5400000" scaled="0"/>
+        </a:gradFill>
+        <a:gradFill rotWithShape="1">
+          <a:gsLst>
+            <a:gs pos="0">
+              <a:schemeClr val="phClr">
+                <a:satMod val="103000"/>
+                <a:lumMod val="102000"/>
+                <a:tint val="94000"/>
+              </a:schemeClr>
+            </a:gs>
+            <a:gs pos="50000">
+              <a:schemeClr val="phClr">
+                <a:satMod val="110000"/>
+                <a:lumMod val="100000"/>
+                <a:shade val="100000"/>
+              </a:schemeClr>
+            </a:gs>
+            <a:gs pos="100000">
+              <a:schemeClr val="phClr">
+                <a:lumMod val="99000"/>
+                <a:satMod val="120000"/>
+                <a:shade val="78000"/>
+              </a:schemeClr>
+            </a:gs>
+          </a:gsLst>
+          <a:lin ang="5400000" scaled="0"/>
+        </a:gradFill>
+      </a:fillStyleLst>
+      <a:lnStyleLst>
+        <a:ln w="6350" cap="flat" cmpd="sng" algn="ctr">
+          <a:solidFill>
+            <a:schemeClr val="phClr"/>
+          </a:solidFill>
+          <a:prstDash val="solid"/>
+          <a:miter lim="800000"/>
+        </a:ln>
+        <a:ln w="12700" cap="flat" cmpd="sng" algn="ctr">
+          <a:solidFill>
+            <a:schemeClr val="phClr"/>
+          </a:solidFill>
+          <a:prstDash val="solid"/>
+          <a:miter lim="800000"/>
+        </a:ln>
+        <a:ln w="19050" cap="flat" cmpd="sng" algn="ctr">
+          <a:solidFill>
+            <a:schemeClr val="phClr"/>
+          </a:solidFill>
+          <a:prstDash val="solid"/>
+          <a:miter lim="800000"/>
+        </a:ln>
+      </a:lnStyleLst>
+      <a:effectStyleLst>
+        <a:effectStyle>
+          <a:effectLst/>
+        </a:effectStyle>
+        <a:effectStyle>
+          <a:effectLst/>
+        </a:effectStyle>
+        <a:effectStyle>
+          <a:effectLst>
+            <a:outerShdw blurRad="57150" dist="19050" dir="5400000" algn="ctr" rotWithShape="0">
+              <a:srgbClr val="000000">
+                <a:alpha val="63000"/>
+              </a:srgbClr>
+            </a:outerShdw>
+          </a:effectLst>
+        </a:effectStyle>
+      </a:effectStyleLst>
+      <a:bgFillStyleLst>
+        <a:solidFill>
+          <a:schemeClr val="phClr"/>
+        </a:solidFill>
+        <a:solidFill>
+          <a:schemeClr val="phClr">
+            <a:tint val="95000"/>
+            <a:satMod val="170000"/>
+          </a:schemeClr>
+        </a:solidFill>
+        <a:gradFill rotWithShape="1">
+          <a:gsLst>
+            <a:gs pos="0">
+              <a:schemeClr val="phClr">
+                <a:tint val="93000"/>
+                <a:satMod val="150000"/>
+                <a:shade val="98000"/>
+                <a:lumMod val="102000"/>
+              </a:schemeClr>
+            </a:gs>
+            <a:gs pos="50000">
+              <a:schemeClr val="phClr">
+                <a:tint val="98000"/>
+                <a:satMod val="130000"/>
+                <a:shade val="90000"/>
+                <a:lumMod val="103000"/>
+              </a:schemeClr>
+            </a:gs>
+            <a:gs pos="100000">
+              <a:schemeClr val="phClr">
+                <a:shade val="63000"/>
+                <a:satMod val="120000"/>
+              </a:schemeClr>
+            </a:gs>
+          </a:gsLst>
+          <a:lin ang="5400000" scaled="0"/>
+        </a:gradFill>
+      </a:bgFillStyleLst>
+    </a:fmtScheme>
+  </a:themeElements>
+  <a:objectDefaults/>
+  <a:extraClrSchemeLst/>
+  <a:extLst>
+    <a:ext uri="{05A4C25C-085E-4340-85A3-A5531E510DB2}">
+      <thm15:themeFamily xmlns:thm15="http://schemas.microsoft.com/office/thememl/2012/main" name="Office Theme" id="{62F939B6-93AF-4DB8-9C6B-D6C7DFDC589F}" vid="{4A3C46E8-61CC-4603-A589-7422A47A8E4A}"/>
+    </a:ext>
+  </a:extLst>
+</a:theme>
+</file>
+
+<file path=ppt/theme/theme3.xml><?xml version="1.0" encoding="utf-8"?>
+<a:theme xmlns:a="http://schemas.openxmlformats.org/drawingml/2006/main" name="Office Theme">
+  <a:themeElements>
+    <a:clrScheme name="Office">
+      <a:dk1>
+        <a:sysClr val="windowText" lastClr="000000"/>
+      </a:dk1>
+      <a:lt1>
+        <a:sysClr val="window" lastClr="FFFFFF"/>
+      </a:lt1>
+      <a:dk2>
+        <a:srgbClr val="44546A"/>
+      </a:dk2>
+      <a:lt2>
+        <a:srgbClr val="E7E6E6"/>
+      </a:lt2>
+      <a:accent1>
+        <a:srgbClr val="5B9BD5"/>
+      </a:accent1>
+      <a:accent2>
+        <a:srgbClr val="ED7D31"/>
+      </a:accent2>
+      <a:accent3>
+        <a:srgbClr val="A5A5A5"/>
+      </a:accent3>
+      <a:accent4>
+        <a:srgbClr val="FFC000"/>
+      </a:accent4>
+      <a:accent5>
+        <a:srgbClr val="4472C4"/>
+      </a:accent5>
+      <a:accent6>
+        <a:srgbClr val="70AD47"/>
+      </a:accent6>
+      <a:hlink>
+        <a:srgbClr val="0563C1"/>
+      </a:hlink>
+      <a:folHlink>
+        <a:srgbClr val="954F72"/>
+      </a:folHlink>
+    </a:clrScheme>
+    <a:fontScheme name="Office">
+      <a:majorFont>
+        <a:latin typeface="Calibri Light" panose="020F0302020204030204"/>
+        <a:ea typeface=""/>
+        <a:cs typeface=""/>
+        <a:font script="Jpan" typeface="游ゴシック Light"/>
+        <a:font script="Hang" typeface="맑은 고딕"/>
+        <a:font script="Hans" typeface="等线 Light"/>
+        <a:font script="Hant" typeface="新細明體"/>
+        <a:font script="Arab" typeface="Times New Roman"/>
+        <a:font script="Hebr" typeface="Times New Roman"/>
+        <a:font script="Thai" typeface="Angsana New"/>
+        <a:font script="Ethi" typeface="Nyala"/>
+        <a:font script="Beng" typeface="Vrinda"/>
+        <a:font script="Gujr" typeface="Shruti"/>
+        <a:font script="Khmr" typeface="MoolBoran"/>
+        <a:font script="Knda" typeface="Tunga"/>
+        <a:font script="Guru" typeface="Raavi"/>
+        <a:font script="Cans" typeface="Euphemia"/>
+        <a:font script="Cher" typeface="Plantagenet Cherokee"/>
+        <a:font script="Yiii" typeface="Microsoft Yi Baiti"/>
+        <a:font script="Tibt" typeface="Microsoft Himalaya"/>
+        <a:font script="Thaa" typeface="MV Boli"/>
+        <a:font script="Deva" typeface="Mangal"/>
+        <a:font script="Telu" typeface="Gautami"/>
+        <a:font script="Taml" typeface="Latha"/>
+        <a:font script="Syrc" typeface="Estrangelo Edessa"/>
+        <a:font script="Orya" typeface="Kalinga"/>
+        <a:font script="Mlym" typeface="Kartika"/>
+        <a:font script="Laoo" typeface="DokChampa"/>
+        <a:font script="Sinh" typeface="Iskoola Pota"/>
+        <a:font script="Mong" typeface="Mongolian Baiti"/>
+        <a:font script="Viet" typeface="Times New Roman"/>
+        <a:font script="Uigh" typeface="Microsoft Uighur"/>
+        <a:font script="Geor" typeface="Sylfaen"/>
+      </a:majorFont>
+      <a:minorFont>
+        <a:latin typeface="Calibri" panose="020F0502020204030204"/>
+        <a:ea typeface=""/>
+        <a:cs typeface=""/>
+        <a:font script="Jpan" typeface="游ゴシック"/>
+        <a:font script="Hang" typeface="맑은 고딕"/>
+        <a:font script="Hans" typeface="等线"/>
+        <a:font script="Hant" typeface="新細明體"/>
+        <a:font script="Arab" typeface="Arial"/>
+        <a:font script="Hebr" typeface="Arial"/>
+        <a:font script="Thai" typeface="Cordia New"/>
+        <a:font script="Ethi" typeface="Nyala"/>
+        <a:font script="Beng" typeface="Vrinda"/>
+        <a:font script="Gujr" typeface="Shruti"/>
+        <a:font script="Khmr" typeface="DaunPenh"/>
+        <a:font script="Knda" typeface="Tunga"/>
+        <a:font script="Guru" typeface="Raavi"/>
+        <a:font script="Cans" typeface="Euphemia"/>
+        <a:font script="Cher" typeface="Plantagenet Cherokee"/>
+        <a:font script="Yiii" typeface="Microsoft Yi Baiti"/>
+        <a:font script="Tibt" typeface="Microsoft Himalaya"/>
+        <a:font script="Thaa" typeface="MV Boli"/>
+        <a:font script="Deva" typeface="Mangal"/>
+        <a:font script="Telu" typeface="Gautami"/>
+        <a:font script="Taml" typeface="Latha"/>
+        <a:font script="Syrc" typeface="Estrangelo Edessa"/>
+        <a:font script="Orya" typeface="Kalinga"/>
+        <a:font script="Mlym" typeface="Kartika"/>
+        <a:font script="Laoo" typeface="DokChampa"/>
+        <a:font script="Sinh" typeface="Iskoola Pota"/>
+        <a:font script="Mong" typeface="Mongolian Baiti"/>
+        <a:font script="Viet" typeface="Arial"/>
+        <a:font script="Uigh" typeface="Microsoft Uighur"/>
+        <a:font script="Geor" typeface="Sylfaen"/>
+      </a:minorFont>
+    </a:fontScheme>
+    <a:fmtScheme name="Office">
+      <a:fillStyleLst>
+        <a:solidFill>
+          <a:schemeClr val="phClr"/>
+        </a:solidFill>
+        <a:gradFill rotWithShape="1">
+          <a:gsLst>
+            <a:gs pos="0">
+              <a:schemeClr val="phClr">
+                <a:lumMod val="110000"/>
+                <a:satMod val="105000"/>
+                <a:tint val="67000"/>
+              </a:schemeClr>
+            </a:gs>
+            <a:gs pos="50000">
+              <a:schemeClr val="phClr">
+                <a:lumMod val="105000"/>
+                <a:satMod val="103000"/>
+                <a:tint val="73000"/>
+              </a:schemeClr>
+            </a:gs>
+            <a:gs pos="100000">
+              <a:schemeClr val="phClr">
+                <a:lumMod val="105000"/>
+                <a:satMod val="109000"/>
+                <a:tint val="81000"/>
+              </a:schemeClr>
+            </a:gs>
+          </a:gsLst>
+          <a:lin ang="5400000" scaled="0"/>
+        </a:gradFill>
+        <a:gradFill rotWithShape="1">
+          <a:gsLst>
+            <a:gs pos="0">
+              <a:schemeClr val="phClr">
+                <a:satMod val="103000"/>
+                <a:lumMod val="102000"/>
+                <a:tint val="94000"/>
+              </a:schemeClr>
+            </a:gs>
+            <a:gs pos="50000">
+              <a:schemeClr val="phClr">
+                <a:satMod val="110000"/>
+                <a:lumMod val="100000"/>
+                <a:shade val="100000"/>
+              </a:schemeClr>
+            </a:gs>
+            <a:gs pos="100000">
+              <a:schemeClr val="phClr">
+                <a:lumMod val="99000"/>
+                <a:satMod val="120000"/>
+                <a:shade val="78000"/>
+              </a:schemeClr>
+            </a:gs>
+          </a:gsLst>
+          <a:lin ang="5400000" scaled="0"/>
+        </a:gradFill>
+      </a:fillStyleLst>
+      <a:lnStyleLst>
+        <a:ln w="6350" cap="flat" cmpd="sng" algn="ctr">
+          <a:solidFill>
+            <a:schemeClr val="phClr"/>
+          </a:solidFill>
+          <a:prstDash val="solid"/>
+          <a:miter lim="800000"/>
+        </a:ln>
+        <a:ln w="12700" cap="flat" cmpd="sng" algn="ctr">
+          <a:solidFill>
+            <a:schemeClr val="phClr"/>
+          </a:solidFill>
+          <a:prstDash val="solid"/>
+          <a:miter lim="800000"/>
+        </a:ln>
+        <a:ln w="19050" cap="flat" cmpd="sng" algn="ctr">
+          <a:solidFill>
+            <a:schemeClr val="phClr"/>
+          </a:solidFill>
+          <a:prstDash val="solid"/>
+          <a:miter lim="800000"/>
+        </a:ln>
+      </a:lnStyleLst>
+      <a:effectStyleLst>
+        <a:effectStyle>
+          <a:effectLst/>
+        </a:effectStyle>
+        <a:effectStyle>
+          <a:effectLst/>
+        </a:effectStyle>
+        <a:effectStyle>
+          <a:effectLst>
+            <a:outerShdw blurRad="57150" dist="19050" dir="5400000" algn="ctr" rotWithShape="0">
+              <a:srgbClr val="000000">
+                <a:alpha val="63000"/>
+              </a:srgbClr>
+            </a:outerShdw>
+          </a:effectLst>
+        </a:effectStyle>
+      </a:effectStyleLst>
+      <a:bgFillStyleLst>
+        <a:solidFill>
+          <a:schemeClr val="phClr"/>
+        </a:solidFill>
+        <a:solidFill>
+          <a:schemeClr val="phClr">
+            <a:tint val="95000"/>
+            <a:satMod val="170000"/>
+          </a:schemeClr>
+        </a:solidFill>
+        <a:gradFill rotWithShape="1">
+          <a:gsLst>
+            <a:gs pos="0">
+              <a:schemeClr val="phClr">
+                <a:tint val="93000"/>
+                <a:satMod val="150000"/>
+                <a:shade val="98000"/>
+                <a:lumMod val="102000"/>
+              </a:schemeClr>
+            </a:gs>
+            <a:gs pos="50000">
+              <a:schemeClr val="phClr">
+                <a:tint val="98000"/>
+                <a:satMod val="130000"/>
+                <a:shade val="90000"/>
+                <a:lumMod val="103000"/>
+              </a:schemeClr>
+            </a:gs>
+            <a:gs pos="100000">
+              <a:schemeClr val="phClr">
+                <a:shade val="63000"/>
+                <a:satMod val="120000"/>
+              </a:schemeClr>
+            </a:gs>
+          </a:gsLst>
+          <a:lin ang="5400000" scaled="0"/>
+        </a:gradFill>
+      </a:bgFillStyleLst>
+    </a:fmtScheme>
+  </a:themeElements>
+  <a:objectDefaults/>
+  <a:extraClrSchemeLst/>
+  <a:extLst>
+    <a:ext uri="{05A4C25C-085E-4340-85A3-A5531E510DB2}">
+      <thm15:themeFamily xmlns:thm15="http://schemas.microsoft.com/office/thememl/2012/main" name="Office Theme" id="{62F939B6-93AF-4DB8-9C6B-D6C7DFDC589F}" vid="{4A3C46E8-61CC-4603-A589-7422A47A8E4A}"/>
+    </a:ext>
+  </a:extLst>
+</a:theme>
 </file>